--- a/readme_documents/wireframes/wireframe_gif.pptx
+++ b/readme_documents/wireframes/wireframe_gif.pptx
@@ -256,7 +256,7 @@
           <a:p>
             <a:fld id="{410044D7-9578-4EFF-9B44-B51A5B51F4F7}" type="datetimeFigureOut">
               <a:rPr lang="pt-BR" smtClean="0"/>
-              <a:t>29/03/2023</a:t>
+              <a:t>30/03/2023</a:t>
             </a:fld>
             <a:endParaRPr lang="pt-BR"/>
           </a:p>
@@ -314,7 +314,7 @@
   <p:clrMapOvr>
     <a:masterClrMapping/>
   </p:clrMapOvr>
-  <p:transition spd="slow" advClick="0" advTm="5000"/>
+  <p:transition spd="slow" advClick="0" advTm="30000"/>
 </p:sldLayout>
 </file>
 
@@ -427,7 +427,7 @@
           <a:p>
             <a:fld id="{410044D7-9578-4EFF-9B44-B51A5B51F4F7}" type="datetimeFigureOut">
               <a:rPr lang="pt-BR" smtClean="0"/>
-              <a:t>29/03/2023</a:t>
+              <a:t>30/03/2023</a:t>
             </a:fld>
             <a:endParaRPr lang="pt-BR"/>
           </a:p>
@@ -485,7 +485,7 @@
   <p:clrMapOvr>
     <a:masterClrMapping/>
   </p:clrMapOvr>
-  <p:transition spd="slow" advClick="0" advTm="5000"/>
+  <p:transition spd="slow" advClick="0" advTm="30000"/>
 </p:sldLayout>
 </file>
 
@@ -608,7 +608,7 @@
           <a:p>
             <a:fld id="{410044D7-9578-4EFF-9B44-B51A5B51F4F7}" type="datetimeFigureOut">
               <a:rPr lang="pt-BR" smtClean="0"/>
-              <a:t>29/03/2023</a:t>
+              <a:t>30/03/2023</a:t>
             </a:fld>
             <a:endParaRPr lang="pt-BR"/>
           </a:p>
@@ -666,7 +666,7 @@
   <p:clrMapOvr>
     <a:masterClrMapping/>
   </p:clrMapOvr>
-  <p:transition spd="slow" advClick="0" advTm="5000"/>
+  <p:transition spd="slow" advClick="0" advTm="30000"/>
 </p:sldLayout>
 </file>
 
@@ -779,7 +779,7 @@
           <a:p>
             <a:fld id="{410044D7-9578-4EFF-9B44-B51A5B51F4F7}" type="datetimeFigureOut">
               <a:rPr lang="pt-BR" smtClean="0"/>
-              <a:t>29/03/2023</a:t>
+              <a:t>30/03/2023</a:t>
             </a:fld>
             <a:endParaRPr lang="pt-BR"/>
           </a:p>
@@ -837,7 +837,7 @@
   <p:clrMapOvr>
     <a:masterClrMapping/>
   </p:clrMapOvr>
-  <p:transition spd="slow" advClick="0" advTm="5000"/>
+  <p:transition spd="slow" advClick="0" advTm="30000"/>
 </p:sldLayout>
 </file>
 
@@ -1024,7 +1024,7 @@
           <a:p>
             <a:fld id="{410044D7-9578-4EFF-9B44-B51A5B51F4F7}" type="datetimeFigureOut">
               <a:rPr lang="pt-BR" smtClean="0"/>
-              <a:t>29/03/2023</a:t>
+              <a:t>30/03/2023</a:t>
             </a:fld>
             <a:endParaRPr lang="pt-BR"/>
           </a:p>
@@ -1082,7 +1082,7 @@
   <p:clrMapOvr>
     <a:masterClrMapping/>
   </p:clrMapOvr>
-  <p:transition spd="slow" advClick="0" advTm="5000"/>
+  <p:transition spd="slow" advClick="0" advTm="30000"/>
 </p:sldLayout>
 </file>
 
@@ -1257,7 +1257,7 @@
           <a:p>
             <a:fld id="{410044D7-9578-4EFF-9B44-B51A5B51F4F7}" type="datetimeFigureOut">
               <a:rPr lang="pt-BR" smtClean="0"/>
-              <a:t>29/03/2023</a:t>
+              <a:t>30/03/2023</a:t>
             </a:fld>
             <a:endParaRPr lang="pt-BR"/>
           </a:p>
@@ -1315,7 +1315,7 @@
   <p:clrMapOvr>
     <a:masterClrMapping/>
   </p:clrMapOvr>
-  <p:transition spd="slow" advClick="0" advTm="5000"/>
+  <p:transition spd="slow" advClick="0" advTm="30000"/>
 </p:sldLayout>
 </file>
 
@@ -1625,7 +1625,7 @@
           <a:p>
             <a:fld id="{410044D7-9578-4EFF-9B44-B51A5B51F4F7}" type="datetimeFigureOut">
               <a:rPr lang="pt-BR" smtClean="0"/>
-              <a:t>29/03/2023</a:t>
+              <a:t>30/03/2023</a:t>
             </a:fld>
             <a:endParaRPr lang="pt-BR"/>
           </a:p>
@@ -1683,7 +1683,7 @@
   <p:clrMapOvr>
     <a:masterClrMapping/>
   </p:clrMapOvr>
-  <p:transition spd="slow" advClick="0" advTm="5000"/>
+  <p:transition spd="slow" advClick="0" advTm="30000"/>
 </p:sldLayout>
 </file>
 
@@ -1744,7 +1744,7 @@
           <a:p>
             <a:fld id="{410044D7-9578-4EFF-9B44-B51A5B51F4F7}" type="datetimeFigureOut">
               <a:rPr lang="pt-BR" smtClean="0"/>
-              <a:t>29/03/2023</a:t>
+              <a:t>30/03/2023</a:t>
             </a:fld>
             <a:endParaRPr lang="pt-BR"/>
           </a:p>
@@ -1802,7 +1802,7 @@
   <p:clrMapOvr>
     <a:masterClrMapping/>
   </p:clrMapOvr>
-  <p:transition spd="slow" advClick="0" advTm="5000"/>
+  <p:transition spd="slow" advClick="0" advTm="30000"/>
 </p:sldLayout>
 </file>
 
@@ -1840,7 +1840,7 @@
           <a:p>
             <a:fld id="{410044D7-9578-4EFF-9B44-B51A5B51F4F7}" type="datetimeFigureOut">
               <a:rPr lang="pt-BR" smtClean="0"/>
-              <a:t>29/03/2023</a:t>
+              <a:t>30/03/2023</a:t>
             </a:fld>
             <a:endParaRPr lang="pt-BR"/>
           </a:p>
@@ -1898,7 +1898,7 @@
   <p:clrMapOvr>
     <a:masterClrMapping/>
   </p:clrMapOvr>
-  <p:transition spd="slow" advClick="0" advTm="5000"/>
+  <p:transition spd="slow" advClick="0" advTm="30000"/>
 </p:sldLayout>
 </file>
 
@@ -2118,7 +2118,7 @@
           <a:p>
             <a:fld id="{410044D7-9578-4EFF-9B44-B51A5B51F4F7}" type="datetimeFigureOut">
               <a:rPr lang="pt-BR" smtClean="0"/>
-              <a:t>29/03/2023</a:t>
+              <a:t>30/03/2023</a:t>
             </a:fld>
             <a:endParaRPr lang="pt-BR"/>
           </a:p>
@@ -2176,7 +2176,7 @@
   <p:clrMapOvr>
     <a:masterClrMapping/>
   </p:clrMapOvr>
-  <p:transition spd="slow" advClick="0" advTm="5000"/>
+  <p:transition spd="slow" advClick="0" advTm="30000"/>
 </p:sldLayout>
 </file>
 
@@ -2376,7 +2376,7 @@
           <a:p>
             <a:fld id="{410044D7-9578-4EFF-9B44-B51A5B51F4F7}" type="datetimeFigureOut">
               <a:rPr lang="pt-BR" smtClean="0"/>
-              <a:t>29/03/2023</a:t>
+              <a:t>30/03/2023</a:t>
             </a:fld>
             <a:endParaRPr lang="pt-BR"/>
           </a:p>
@@ -2434,7 +2434,7 @@
   <p:clrMapOvr>
     <a:masterClrMapping/>
   </p:clrMapOvr>
-  <p:transition spd="slow" advClick="0" advTm="5000"/>
+  <p:transition spd="slow" advClick="0" advTm="30000"/>
 </p:sldLayout>
 </file>
 
@@ -2590,7 +2590,7 @@
           <a:p>
             <a:fld id="{410044D7-9578-4EFF-9B44-B51A5B51F4F7}" type="datetimeFigureOut">
               <a:rPr lang="pt-BR" smtClean="0"/>
-              <a:t>29/03/2023</a:t>
+              <a:t>30/03/2023</a:t>
             </a:fld>
             <a:endParaRPr lang="pt-BR"/>
           </a:p>
@@ -2695,7 +2695,7 @@
     <p:sldLayoutId id="2147483670" r:id="rId10"/>
     <p:sldLayoutId id="2147483671" r:id="rId11"/>
   </p:sldLayoutIdLst>
-  <p:transition spd="slow" advClick="0" advTm="5000"/>
+  <p:transition spd="slow" advClick="0" advTm="30000"/>
   <p:txStyles>
     <p:titleStyle>
       <a:lvl1pPr algn="l" defTabSz="914400" rtl="0" eaLnBrk="1" latinLnBrk="0" hangingPunct="1">
@@ -3092,7 +3092,7 @@
   <p:clrMapOvr>
     <a:masterClrMapping/>
   </p:clrMapOvr>
-  <p:transition spd="slow" advClick="0" advTm="5000"/>
+  <p:transition spd="slow" advClick="0" advTm="30000"/>
 </p:sld>
 </file>
 
@@ -3209,7 +3209,7 @@
   <p:clrMapOvr>
     <a:masterClrMapping/>
   </p:clrMapOvr>
-  <p:transition spd="slow" advClick="0" advTm="5000"/>
+  <p:transition spd="slow" advClick="0" advTm="30000"/>
 </p:sld>
 </file>
 
@@ -3326,7 +3326,7 @@
   <p:clrMapOvr>
     <a:masterClrMapping/>
   </p:clrMapOvr>
-  <p:transition spd="slow" advClick="0" advTm="5000"/>
+  <p:transition spd="slow" advClick="0" advTm="30000"/>
 </p:sld>
 </file>
 

--- a/readme_documents/wireframes/wireframe_gif.pptx
+++ b/readme_documents/wireframes/wireframe_gif.pptx
@@ -8,6 +8,9 @@
     <p:sldId id="256" r:id="rId2"/>
     <p:sldId id="257" r:id="rId3"/>
     <p:sldId id="258" r:id="rId4"/>
+    <p:sldId id="260" r:id="rId5"/>
+    <p:sldId id="261" r:id="rId6"/>
+    <p:sldId id="262" r:id="rId7"/>
   </p:sldIdLst>
   <p:sldSz cx="9144000" cy="6858000" type="screen4x3"/>
   <p:notesSz cx="6858000" cy="9144000"/>
@@ -256,7 +259,7 @@
           <a:p>
             <a:fld id="{410044D7-9578-4EFF-9B44-B51A5B51F4F7}" type="datetimeFigureOut">
               <a:rPr lang="pt-BR" smtClean="0"/>
-              <a:t>30/03/2023</a:t>
+              <a:t>23/04/2023</a:t>
             </a:fld>
             <a:endParaRPr lang="pt-BR"/>
           </a:p>
@@ -427,7 +430,7 @@
           <a:p>
             <a:fld id="{410044D7-9578-4EFF-9B44-B51A5B51F4F7}" type="datetimeFigureOut">
               <a:rPr lang="pt-BR" smtClean="0"/>
-              <a:t>30/03/2023</a:t>
+              <a:t>23/04/2023</a:t>
             </a:fld>
             <a:endParaRPr lang="pt-BR"/>
           </a:p>
@@ -608,7 +611,7 @@
           <a:p>
             <a:fld id="{410044D7-9578-4EFF-9B44-B51A5B51F4F7}" type="datetimeFigureOut">
               <a:rPr lang="pt-BR" smtClean="0"/>
-              <a:t>30/03/2023</a:t>
+              <a:t>23/04/2023</a:t>
             </a:fld>
             <a:endParaRPr lang="pt-BR"/>
           </a:p>
@@ -779,7 +782,7 @@
           <a:p>
             <a:fld id="{410044D7-9578-4EFF-9B44-B51A5B51F4F7}" type="datetimeFigureOut">
               <a:rPr lang="pt-BR" smtClean="0"/>
-              <a:t>30/03/2023</a:t>
+              <a:t>23/04/2023</a:t>
             </a:fld>
             <a:endParaRPr lang="pt-BR"/>
           </a:p>
@@ -1024,7 +1027,7 @@
           <a:p>
             <a:fld id="{410044D7-9578-4EFF-9B44-B51A5B51F4F7}" type="datetimeFigureOut">
               <a:rPr lang="pt-BR" smtClean="0"/>
-              <a:t>30/03/2023</a:t>
+              <a:t>23/04/2023</a:t>
             </a:fld>
             <a:endParaRPr lang="pt-BR"/>
           </a:p>
@@ -1257,7 +1260,7 @@
           <a:p>
             <a:fld id="{410044D7-9578-4EFF-9B44-B51A5B51F4F7}" type="datetimeFigureOut">
               <a:rPr lang="pt-BR" smtClean="0"/>
-              <a:t>30/03/2023</a:t>
+              <a:t>23/04/2023</a:t>
             </a:fld>
             <a:endParaRPr lang="pt-BR"/>
           </a:p>
@@ -1625,7 +1628,7 @@
           <a:p>
             <a:fld id="{410044D7-9578-4EFF-9B44-B51A5B51F4F7}" type="datetimeFigureOut">
               <a:rPr lang="pt-BR" smtClean="0"/>
-              <a:t>30/03/2023</a:t>
+              <a:t>23/04/2023</a:t>
             </a:fld>
             <a:endParaRPr lang="pt-BR"/>
           </a:p>
@@ -1744,7 +1747,7 @@
           <a:p>
             <a:fld id="{410044D7-9578-4EFF-9B44-B51A5B51F4F7}" type="datetimeFigureOut">
               <a:rPr lang="pt-BR" smtClean="0"/>
-              <a:t>30/03/2023</a:t>
+              <a:t>23/04/2023</a:t>
             </a:fld>
             <a:endParaRPr lang="pt-BR"/>
           </a:p>
@@ -1840,7 +1843,7 @@
           <a:p>
             <a:fld id="{410044D7-9578-4EFF-9B44-B51A5B51F4F7}" type="datetimeFigureOut">
               <a:rPr lang="pt-BR" smtClean="0"/>
-              <a:t>30/03/2023</a:t>
+              <a:t>23/04/2023</a:t>
             </a:fld>
             <a:endParaRPr lang="pt-BR"/>
           </a:p>
@@ -2118,7 +2121,7 @@
           <a:p>
             <a:fld id="{410044D7-9578-4EFF-9B44-B51A5B51F4F7}" type="datetimeFigureOut">
               <a:rPr lang="pt-BR" smtClean="0"/>
-              <a:t>30/03/2023</a:t>
+              <a:t>23/04/2023</a:t>
             </a:fld>
             <a:endParaRPr lang="pt-BR"/>
           </a:p>
@@ -2376,7 +2379,7 @@
           <a:p>
             <a:fld id="{410044D7-9578-4EFF-9B44-B51A5B51F4F7}" type="datetimeFigureOut">
               <a:rPr lang="pt-BR" smtClean="0"/>
-              <a:t>30/03/2023</a:t>
+              <a:t>23/04/2023</a:t>
             </a:fld>
             <a:endParaRPr lang="pt-BR"/>
           </a:p>
@@ -2590,7 +2593,7 @@
           <a:p>
             <a:fld id="{410044D7-9578-4EFF-9B44-B51A5B51F4F7}" type="datetimeFigureOut">
               <a:rPr lang="pt-BR" smtClean="0"/>
-              <a:t>30/03/2023</a:t>
+              <a:t>23/04/2023</a:t>
             </a:fld>
             <a:endParaRPr lang="pt-BR"/>
           </a:p>
@@ -3082,6 +3085,56 @@
           </a:prstGeom>
         </p:spPr>
       </p:pic>
+      <p:sp>
+        <p:nvSpPr>
+          <p:cNvPr id="5" name="Retângulo 4">
+            <a:extLst>
+              <a:ext uri="{FF2B5EF4-FFF2-40B4-BE49-F238E27FC236}">
+                <a16:creationId xmlns:a16="http://schemas.microsoft.com/office/drawing/2014/main" id="{DA3AFA7D-5AE1-6821-1EBB-8E5F9FF5AF0F}"/>
+              </a:ext>
+            </a:extLst>
+          </p:cNvPr>
+          <p:cNvSpPr>
+            <a:spLocks noChangeAspect="1"/>
+          </p:cNvSpPr>
+          <p:nvPr/>
+        </p:nvSpPr>
+        <p:spPr>
+          <a:xfrm>
+            <a:off x="8205266" y="6033869"/>
+            <a:ext cx="938734" cy="646331"/>
+          </a:xfrm>
+          <a:prstGeom prst="rect">
+            <a:avLst/>
+          </a:prstGeom>
+          <a:noFill/>
+        </p:spPr>
+        <p:txBody>
+          <a:bodyPr wrap="square" lIns="91440" tIns="45720" rIns="91440" bIns="45720">
+            <a:spAutoFit/>
+          </a:bodyPr>
+          <a:lstStyle/>
+          <a:p>
+            <a:pPr algn="ctr"/>
+            <a:r>
+              <a:rPr lang="pt-BR" sz="3600" b="1" cap="none" spc="50" dirty="0">
+                <a:ln w="0"/>
+                <a:solidFill>
+                  <a:schemeClr val="bg2"/>
+                </a:solidFill>
+                <a:effectLst>
+                  <a:innerShdw blurRad="63500" dist="50800" dir="13500000">
+                    <a:srgbClr val="000000">
+                      <a:alpha val="50000"/>
+                    </a:srgbClr>
+                  </a:innerShdw>
+                </a:effectLst>
+              </a:rPr>
+              <a:t>SP1</a:t>
+            </a:r>
+          </a:p>
+        </p:txBody>
+      </p:sp>
     </p:spTree>
     <p:extLst>
       <p:ext uri="{BB962C8B-B14F-4D97-AF65-F5344CB8AC3E}">
@@ -3199,6 +3252,56 @@
           </a:prstGeom>
         </p:spPr>
       </p:pic>
+      <p:sp>
+        <p:nvSpPr>
+          <p:cNvPr id="5" name="Retângulo 4">
+            <a:extLst>
+              <a:ext uri="{FF2B5EF4-FFF2-40B4-BE49-F238E27FC236}">
+                <a16:creationId xmlns:a16="http://schemas.microsoft.com/office/drawing/2014/main" id="{8DC2A973-729F-B6E8-AB9C-42AA8654EF1A}"/>
+              </a:ext>
+            </a:extLst>
+          </p:cNvPr>
+          <p:cNvSpPr>
+            <a:spLocks noChangeAspect="1"/>
+          </p:cNvSpPr>
+          <p:nvPr/>
+        </p:nvSpPr>
+        <p:spPr>
+          <a:xfrm>
+            <a:off x="8205266" y="6033869"/>
+            <a:ext cx="938734" cy="646331"/>
+          </a:xfrm>
+          <a:prstGeom prst="rect">
+            <a:avLst/>
+          </a:prstGeom>
+          <a:noFill/>
+        </p:spPr>
+        <p:txBody>
+          <a:bodyPr wrap="square" lIns="91440" tIns="45720" rIns="91440" bIns="45720">
+            <a:spAutoFit/>
+          </a:bodyPr>
+          <a:lstStyle/>
+          <a:p>
+            <a:pPr algn="ctr"/>
+            <a:r>
+              <a:rPr lang="pt-BR" sz="3600" b="1" cap="none" spc="50" dirty="0">
+                <a:ln w="0"/>
+                <a:solidFill>
+                  <a:schemeClr val="bg2"/>
+                </a:solidFill>
+                <a:effectLst>
+                  <a:innerShdw blurRad="63500" dist="50800" dir="13500000">
+                    <a:srgbClr val="000000">
+                      <a:alpha val="50000"/>
+                    </a:srgbClr>
+                  </a:innerShdw>
+                </a:effectLst>
+              </a:rPr>
+              <a:t>SP1</a:t>
+            </a:r>
+          </a:p>
+        </p:txBody>
+      </p:sp>
     </p:spTree>
     <p:extLst>
       <p:ext uri="{BB962C8B-B14F-4D97-AF65-F5344CB8AC3E}">
@@ -3316,10 +3419,535 @@
           </a:prstGeom>
         </p:spPr>
       </p:pic>
+      <p:sp>
+        <p:nvSpPr>
+          <p:cNvPr id="5" name="Retângulo 4">
+            <a:extLst>
+              <a:ext uri="{FF2B5EF4-FFF2-40B4-BE49-F238E27FC236}">
+                <a16:creationId xmlns:a16="http://schemas.microsoft.com/office/drawing/2014/main" id="{5E3499C2-7B22-AE58-86E2-AA542EB1F864}"/>
+              </a:ext>
+            </a:extLst>
+          </p:cNvPr>
+          <p:cNvSpPr>
+            <a:spLocks noChangeAspect="1"/>
+          </p:cNvSpPr>
+          <p:nvPr/>
+        </p:nvSpPr>
+        <p:spPr>
+          <a:xfrm>
+            <a:off x="8205266" y="6033869"/>
+            <a:ext cx="938734" cy="646331"/>
+          </a:xfrm>
+          <a:prstGeom prst="rect">
+            <a:avLst/>
+          </a:prstGeom>
+          <a:noFill/>
+        </p:spPr>
+        <p:txBody>
+          <a:bodyPr wrap="square" lIns="91440" tIns="45720" rIns="91440" bIns="45720">
+            <a:spAutoFit/>
+          </a:bodyPr>
+          <a:lstStyle/>
+          <a:p>
+            <a:pPr algn="ctr"/>
+            <a:r>
+              <a:rPr lang="pt-BR" sz="3600" b="1" cap="none" spc="50" dirty="0">
+                <a:ln w="0"/>
+                <a:solidFill>
+                  <a:schemeClr val="bg2"/>
+                </a:solidFill>
+                <a:effectLst>
+                  <a:innerShdw blurRad="63500" dist="50800" dir="13500000">
+                    <a:srgbClr val="000000">
+                      <a:alpha val="50000"/>
+                    </a:srgbClr>
+                  </a:innerShdw>
+                </a:effectLst>
+              </a:rPr>
+              <a:t>SP1</a:t>
+            </a:r>
+          </a:p>
+        </p:txBody>
+      </p:sp>
     </p:spTree>
     <p:extLst>
       <p:ext uri="{BB962C8B-B14F-4D97-AF65-F5344CB8AC3E}">
         <p14:creationId xmlns:p14="http://schemas.microsoft.com/office/powerpoint/2010/main" val="3436490853"/>
+      </p:ext>
+    </p:extLst>
+  </p:cSld>
+  <p:clrMapOvr>
+    <a:masterClrMapping/>
+  </p:clrMapOvr>
+  <p:transition spd="slow" advClick="0" advTm="30000"/>
+</p:sld>
+</file>
+
+<file path=ppt/slides/slide4.xml><?xml version="1.0" encoding="utf-8"?>
+<p:sld xmlns:a="http://schemas.openxmlformats.org/drawingml/2006/main" xmlns:r="http://schemas.openxmlformats.org/officeDocument/2006/relationships" xmlns:p="http://schemas.openxmlformats.org/presentationml/2006/main">
+  <p:cSld>
+    <p:spTree>
+      <p:nvGrpSpPr>
+        <p:cNvPr id="1" name=""/>
+        <p:cNvGrpSpPr/>
+        <p:nvPr/>
+      </p:nvGrpSpPr>
+      <p:grpSpPr>
+        <a:xfrm>
+          <a:off x="0" y="0"/>
+          <a:ext cx="0" cy="0"/>
+          <a:chOff x="0" y="0"/>
+          <a:chExt cx="0" cy="0"/>
+        </a:xfrm>
+      </p:grpSpPr>
+      <p:sp>
+        <p:nvSpPr>
+          <p:cNvPr id="2" name="Título 1">
+            <a:extLst>
+              <a:ext uri="{FF2B5EF4-FFF2-40B4-BE49-F238E27FC236}">
+                <a16:creationId xmlns:a16="http://schemas.microsoft.com/office/drawing/2014/main" id="{C6EA14F8-1CB4-4F9E-B8B9-78037DFECA8A}"/>
+              </a:ext>
+            </a:extLst>
+          </p:cNvPr>
+          <p:cNvSpPr>
+            <a:spLocks noGrp="1"/>
+          </p:cNvSpPr>
+          <p:nvPr>
+            <p:ph type="title"/>
+          </p:nvPr>
+        </p:nvSpPr>
+        <p:spPr/>
+        <p:txBody>
+          <a:bodyPr/>
+          <a:lstStyle/>
+          <a:p>
+            <a:endParaRPr lang="pt-BR"/>
+          </a:p>
+        </p:txBody>
+      </p:sp>
+      <p:pic>
+        <p:nvPicPr>
+          <p:cNvPr id="6" name="Espaço Reservado para Conteúdo 5" descr="Interface gráfica do usuário, Aplicativo, Teams&#10;&#10;Descrição gerada automaticamente">
+            <a:extLst>
+              <a:ext uri="{FF2B5EF4-FFF2-40B4-BE49-F238E27FC236}">
+                <a16:creationId xmlns:a16="http://schemas.microsoft.com/office/drawing/2014/main" id="{EFA0C37B-B012-D07D-F89E-0775C139A863}"/>
+              </a:ext>
+            </a:extLst>
+          </p:cNvPr>
+          <p:cNvPicPr>
+            <a:picLocks noGrp="1" noChangeAspect="1"/>
+          </p:cNvPicPr>
+          <p:nvPr>
+            <p:ph idx="1"/>
+          </p:nvPr>
+        </p:nvPicPr>
+        <p:blipFill>
+          <a:blip r:embed="rId2">
+            <a:extLst>
+              <a:ext uri="{28A0092B-C50C-407E-A947-70E740481C1C}">
+                <a14:useLocalDpi xmlns:a14="http://schemas.microsoft.com/office/drawing/2010/main" val="0"/>
+              </a:ext>
+            </a:extLst>
+          </a:blip>
+          <a:stretch>
+            <a:fillRect/>
+          </a:stretch>
+        </p:blipFill>
+        <p:spPr>
+          <a:xfrm>
+            <a:off x="0" y="182563"/>
+            <a:ext cx="9130604" cy="6492874"/>
+          </a:xfrm>
+        </p:spPr>
+      </p:pic>
+      <p:sp>
+        <p:nvSpPr>
+          <p:cNvPr id="11" name="Retângulo 10">
+            <a:extLst>
+              <a:ext uri="{FF2B5EF4-FFF2-40B4-BE49-F238E27FC236}">
+                <a16:creationId xmlns:a16="http://schemas.microsoft.com/office/drawing/2014/main" id="{2245437D-8D3C-9075-3DDD-517702021468}"/>
+              </a:ext>
+            </a:extLst>
+          </p:cNvPr>
+          <p:cNvSpPr>
+            <a:spLocks noChangeAspect="1"/>
+          </p:cNvSpPr>
+          <p:nvPr/>
+        </p:nvSpPr>
+        <p:spPr>
+          <a:xfrm>
+            <a:off x="8205266" y="6033869"/>
+            <a:ext cx="938734" cy="646331"/>
+          </a:xfrm>
+          <a:prstGeom prst="rect">
+            <a:avLst/>
+          </a:prstGeom>
+          <a:noFill/>
+        </p:spPr>
+        <p:txBody>
+          <a:bodyPr wrap="square" lIns="91440" tIns="45720" rIns="91440" bIns="45720">
+            <a:spAutoFit/>
+          </a:bodyPr>
+          <a:lstStyle/>
+          <a:p>
+            <a:pPr algn="ctr"/>
+            <a:r>
+              <a:rPr lang="pt-BR" sz="3600" b="1" cap="none" spc="50" dirty="0">
+                <a:ln w="0"/>
+                <a:solidFill>
+                  <a:schemeClr val="bg2"/>
+                </a:solidFill>
+                <a:effectLst>
+                  <a:innerShdw blurRad="63500" dist="50800" dir="13500000">
+                    <a:srgbClr val="000000">
+                      <a:alpha val="50000"/>
+                    </a:srgbClr>
+                  </a:innerShdw>
+                </a:effectLst>
+              </a:rPr>
+              <a:t>SP2</a:t>
+            </a:r>
+          </a:p>
+        </p:txBody>
+      </p:sp>
+    </p:spTree>
+    <p:extLst>
+      <p:ext uri="{BB962C8B-B14F-4D97-AF65-F5344CB8AC3E}">
+        <p14:creationId xmlns:p14="http://schemas.microsoft.com/office/powerpoint/2010/main" val="992234689"/>
+      </p:ext>
+    </p:extLst>
+  </p:cSld>
+  <p:clrMapOvr>
+    <a:masterClrMapping/>
+  </p:clrMapOvr>
+  <p:transition spd="slow" advClick="0" advTm="30000"/>
+</p:sld>
+</file>
+
+<file path=ppt/slides/slide5.xml><?xml version="1.0" encoding="utf-8"?>
+<p:sld xmlns:a="http://schemas.openxmlformats.org/drawingml/2006/main" xmlns:r="http://schemas.openxmlformats.org/officeDocument/2006/relationships" xmlns:p="http://schemas.openxmlformats.org/presentationml/2006/main">
+  <p:cSld>
+    <p:spTree>
+      <p:nvGrpSpPr>
+        <p:cNvPr id="1" name=""/>
+        <p:cNvGrpSpPr/>
+        <p:nvPr/>
+      </p:nvGrpSpPr>
+      <p:grpSpPr>
+        <a:xfrm>
+          <a:off x="0" y="0"/>
+          <a:ext cx="0" cy="0"/>
+          <a:chOff x="0" y="0"/>
+          <a:chExt cx="0" cy="0"/>
+        </a:xfrm>
+      </p:grpSpPr>
+      <p:sp>
+        <p:nvSpPr>
+          <p:cNvPr id="2" name="Título 1">
+            <a:extLst>
+              <a:ext uri="{FF2B5EF4-FFF2-40B4-BE49-F238E27FC236}">
+                <a16:creationId xmlns:a16="http://schemas.microsoft.com/office/drawing/2014/main" id="{C6EA14F8-1CB4-4F9E-B8B9-78037DFECA8A}"/>
+              </a:ext>
+            </a:extLst>
+          </p:cNvPr>
+          <p:cNvSpPr>
+            <a:spLocks noGrp="1"/>
+          </p:cNvSpPr>
+          <p:nvPr>
+            <p:ph type="title"/>
+          </p:nvPr>
+        </p:nvSpPr>
+        <p:spPr/>
+        <p:txBody>
+          <a:bodyPr/>
+          <a:lstStyle/>
+          <a:p>
+            <a:endParaRPr lang="pt-BR"/>
+          </a:p>
+        </p:txBody>
+      </p:sp>
+      <p:sp>
+        <p:nvSpPr>
+          <p:cNvPr id="3" name="Espaço Reservado para Conteúdo 2">
+            <a:extLst>
+              <a:ext uri="{FF2B5EF4-FFF2-40B4-BE49-F238E27FC236}">
+                <a16:creationId xmlns:a16="http://schemas.microsoft.com/office/drawing/2014/main" id="{D59ED8B2-4769-450C-95F3-14BEF690AE64}"/>
+              </a:ext>
+            </a:extLst>
+          </p:cNvPr>
+          <p:cNvSpPr>
+            <a:spLocks noGrp="1"/>
+          </p:cNvSpPr>
+          <p:nvPr>
+            <p:ph idx="1"/>
+          </p:nvPr>
+        </p:nvSpPr>
+        <p:spPr/>
+        <p:txBody>
+          <a:bodyPr/>
+          <a:lstStyle/>
+          <a:p>
+            <a:endParaRPr lang="pt-BR"/>
+          </a:p>
+        </p:txBody>
+      </p:sp>
+      <p:pic>
+        <p:nvPicPr>
+          <p:cNvPr id="5" name="Imagem 4" descr="Interface gráfica do usuário, Aplicativo&#10;&#10;Descrição gerada automaticamente">
+            <a:extLst>
+              <a:ext uri="{FF2B5EF4-FFF2-40B4-BE49-F238E27FC236}">
+                <a16:creationId xmlns:a16="http://schemas.microsoft.com/office/drawing/2014/main" id="{D5529D08-3E93-3050-C1F4-8C22A96701BD}"/>
+              </a:ext>
+            </a:extLst>
+          </p:cNvPr>
+          <p:cNvPicPr>
+            <a:picLocks noChangeAspect="1"/>
+          </p:cNvPicPr>
+          <p:nvPr/>
+        </p:nvPicPr>
+        <p:blipFill>
+          <a:blip r:embed="rId2">
+            <a:extLst>
+              <a:ext uri="{28A0092B-C50C-407E-A947-70E740481C1C}">
+                <a14:useLocalDpi xmlns:a14="http://schemas.microsoft.com/office/drawing/2010/main" val="0"/>
+              </a:ext>
+            </a:extLst>
+          </a:blip>
+          <a:stretch>
+            <a:fillRect/>
+          </a:stretch>
+        </p:blipFill>
+        <p:spPr>
+          <a:xfrm>
+            <a:off x="0" y="177800"/>
+            <a:ext cx="9144000" cy="6502400"/>
+          </a:xfrm>
+          <a:prstGeom prst="rect">
+            <a:avLst/>
+          </a:prstGeom>
+        </p:spPr>
+      </p:pic>
+      <p:sp>
+        <p:nvSpPr>
+          <p:cNvPr id="6" name="Retângulo 5">
+            <a:extLst>
+              <a:ext uri="{FF2B5EF4-FFF2-40B4-BE49-F238E27FC236}">
+                <a16:creationId xmlns:a16="http://schemas.microsoft.com/office/drawing/2014/main" id="{1325D917-AE0B-1C13-1FB3-3A4476EE1944}"/>
+              </a:ext>
+            </a:extLst>
+          </p:cNvPr>
+          <p:cNvSpPr>
+            <a:spLocks noChangeAspect="1"/>
+          </p:cNvSpPr>
+          <p:nvPr/>
+        </p:nvSpPr>
+        <p:spPr>
+          <a:xfrm>
+            <a:off x="8205266" y="6033869"/>
+            <a:ext cx="938734" cy="646331"/>
+          </a:xfrm>
+          <a:prstGeom prst="rect">
+            <a:avLst/>
+          </a:prstGeom>
+          <a:noFill/>
+        </p:spPr>
+        <p:txBody>
+          <a:bodyPr wrap="square" lIns="91440" tIns="45720" rIns="91440" bIns="45720">
+            <a:spAutoFit/>
+          </a:bodyPr>
+          <a:lstStyle/>
+          <a:p>
+            <a:pPr algn="ctr"/>
+            <a:r>
+              <a:rPr lang="pt-BR" sz="3600" b="1" cap="none" spc="50" dirty="0">
+                <a:ln w="0"/>
+                <a:solidFill>
+                  <a:schemeClr val="bg2"/>
+                </a:solidFill>
+                <a:effectLst>
+                  <a:innerShdw blurRad="63500" dist="50800" dir="13500000">
+                    <a:srgbClr val="000000">
+                      <a:alpha val="50000"/>
+                    </a:srgbClr>
+                  </a:innerShdw>
+                </a:effectLst>
+              </a:rPr>
+              <a:t>SP2</a:t>
+            </a:r>
+          </a:p>
+        </p:txBody>
+      </p:sp>
+    </p:spTree>
+    <p:extLst>
+      <p:ext uri="{BB962C8B-B14F-4D97-AF65-F5344CB8AC3E}">
+        <p14:creationId xmlns:p14="http://schemas.microsoft.com/office/powerpoint/2010/main" val="3921677020"/>
+      </p:ext>
+    </p:extLst>
+  </p:cSld>
+  <p:clrMapOvr>
+    <a:masterClrMapping/>
+  </p:clrMapOvr>
+  <p:transition spd="slow" advClick="0" advTm="30000"/>
+</p:sld>
+</file>
+
+<file path=ppt/slides/slide6.xml><?xml version="1.0" encoding="utf-8"?>
+<p:sld xmlns:a="http://schemas.openxmlformats.org/drawingml/2006/main" xmlns:r="http://schemas.openxmlformats.org/officeDocument/2006/relationships" xmlns:p="http://schemas.openxmlformats.org/presentationml/2006/main">
+  <p:cSld>
+    <p:spTree>
+      <p:nvGrpSpPr>
+        <p:cNvPr id="1" name=""/>
+        <p:cNvGrpSpPr/>
+        <p:nvPr/>
+      </p:nvGrpSpPr>
+      <p:grpSpPr>
+        <a:xfrm>
+          <a:off x="0" y="0"/>
+          <a:ext cx="0" cy="0"/>
+          <a:chOff x="0" y="0"/>
+          <a:chExt cx="0" cy="0"/>
+        </a:xfrm>
+      </p:grpSpPr>
+      <p:sp>
+        <p:nvSpPr>
+          <p:cNvPr id="2" name="Título 1">
+            <a:extLst>
+              <a:ext uri="{FF2B5EF4-FFF2-40B4-BE49-F238E27FC236}">
+                <a16:creationId xmlns:a16="http://schemas.microsoft.com/office/drawing/2014/main" id="{C6EA14F8-1CB4-4F9E-B8B9-78037DFECA8A}"/>
+              </a:ext>
+            </a:extLst>
+          </p:cNvPr>
+          <p:cNvSpPr>
+            <a:spLocks noGrp="1"/>
+          </p:cNvSpPr>
+          <p:nvPr>
+            <p:ph type="title"/>
+          </p:nvPr>
+        </p:nvSpPr>
+        <p:spPr/>
+        <p:txBody>
+          <a:bodyPr/>
+          <a:lstStyle/>
+          <a:p>
+            <a:endParaRPr lang="pt-BR"/>
+          </a:p>
+        </p:txBody>
+      </p:sp>
+      <p:sp>
+        <p:nvSpPr>
+          <p:cNvPr id="3" name="Espaço Reservado para Conteúdo 2">
+            <a:extLst>
+              <a:ext uri="{FF2B5EF4-FFF2-40B4-BE49-F238E27FC236}">
+                <a16:creationId xmlns:a16="http://schemas.microsoft.com/office/drawing/2014/main" id="{D59ED8B2-4769-450C-95F3-14BEF690AE64}"/>
+              </a:ext>
+            </a:extLst>
+          </p:cNvPr>
+          <p:cNvSpPr>
+            <a:spLocks noGrp="1"/>
+          </p:cNvSpPr>
+          <p:nvPr>
+            <p:ph idx="1"/>
+          </p:nvPr>
+        </p:nvSpPr>
+        <p:spPr/>
+        <p:txBody>
+          <a:bodyPr/>
+          <a:lstStyle/>
+          <a:p>
+            <a:endParaRPr lang="pt-BR"/>
+          </a:p>
+        </p:txBody>
+      </p:sp>
+      <p:pic>
+        <p:nvPicPr>
+          <p:cNvPr id="5" name="Imagem 4" descr="Interface gráfica do usuário, Texto, Aplicativo&#10;&#10;Descrição gerada automaticamente">
+            <a:extLst>
+              <a:ext uri="{FF2B5EF4-FFF2-40B4-BE49-F238E27FC236}">
+                <a16:creationId xmlns:a16="http://schemas.microsoft.com/office/drawing/2014/main" id="{A59EA8DF-192D-5813-6113-8590707075B1}"/>
+              </a:ext>
+            </a:extLst>
+          </p:cNvPr>
+          <p:cNvPicPr>
+            <a:picLocks noChangeAspect="1"/>
+          </p:cNvPicPr>
+          <p:nvPr/>
+        </p:nvPicPr>
+        <p:blipFill>
+          <a:blip r:embed="rId2">
+            <a:extLst>
+              <a:ext uri="{28A0092B-C50C-407E-A947-70E740481C1C}">
+                <a14:useLocalDpi xmlns:a14="http://schemas.microsoft.com/office/drawing/2010/main" val="0"/>
+              </a:ext>
+            </a:extLst>
+          </a:blip>
+          <a:stretch>
+            <a:fillRect/>
+          </a:stretch>
+        </p:blipFill>
+        <p:spPr>
+          <a:xfrm>
+            <a:off x="0" y="177800"/>
+            <a:ext cx="9144000" cy="6502400"/>
+          </a:xfrm>
+          <a:prstGeom prst="rect">
+            <a:avLst/>
+          </a:prstGeom>
+        </p:spPr>
+      </p:pic>
+      <p:sp>
+        <p:nvSpPr>
+          <p:cNvPr id="6" name="Retângulo 5">
+            <a:extLst>
+              <a:ext uri="{FF2B5EF4-FFF2-40B4-BE49-F238E27FC236}">
+                <a16:creationId xmlns:a16="http://schemas.microsoft.com/office/drawing/2014/main" id="{67AE6D1F-82D9-15BF-B12F-FED584A43F7E}"/>
+              </a:ext>
+            </a:extLst>
+          </p:cNvPr>
+          <p:cNvSpPr>
+            <a:spLocks noChangeAspect="1"/>
+          </p:cNvSpPr>
+          <p:nvPr/>
+        </p:nvSpPr>
+        <p:spPr>
+          <a:xfrm>
+            <a:off x="8205266" y="6033869"/>
+            <a:ext cx="938734" cy="646331"/>
+          </a:xfrm>
+          <a:prstGeom prst="rect">
+            <a:avLst/>
+          </a:prstGeom>
+          <a:noFill/>
+        </p:spPr>
+        <p:txBody>
+          <a:bodyPr wrap="square" lIns="91440" tIns="45720" rIns="91440" bIns="45720">
+            <a:spAutoFit/>
+          </a:bodyPr>
+          <a:lstStyle/>
+          <a:p>
+            <a:pPr algn="ctr"/>
+            <a:r>
+              <a:rPr lang="pt-BR" sz="3600" b="1" cap="none" spc="50" dirty="0">
+                <a:ln w="0"/>
+                <a:solidFill>
+                  <a:schemeClr val="bg2"/>
+                </a:solidFill>
+                <a:effectLst>
+                  <a:innerShdw blurRad="63500" dist="50800" dir="13500000">
+                    <a:srgbClr val="000000">
+                      <a:alpha val="50000"/>
+                    </a:srgbClr>
+                  </a:innerShdw>
+                </a:effectLst>
+              </a:rPr>
+              <a:t>SP2</a:t>
+            </a:r>
+          </a:p>
+        </p:txBody>
+      </p:sp>
+    </p:spTree>
+    <p:extLst>
+      <p:ext uri="{BB962C8B-B14F-4D97-AF65-F5344CB8AC3E}">
+        <p14:creationId xmlns:p14="http://schemas.microsoft.com/office/powerpoint/2010/main" val="1203317200"/>
       </p:ext>
     </p:extLst>
   </p:cSld>

--- a/readme_documents/wireframes/wireframe_gif.pptx
+++ b/readme_documents/wireframes/wireframe_gif.pptx
@@ -317,7 +317,7 @@
   <p:clrMapOvr>
     <a:masterClrMapping/>
   </p:clrMapOvr>
-  <p:transition spd="slow" advClick="0" advTm="30000"/>
+  <p:transition spd="slow" advClick="0"/>
 </p:sldLayout>
 </file>
 
@@ -488,7 +488,7 @@
   <p:clrMapOvr>
     <a:masterClrMapping/>
   </p:clrMapOvr>
-  <p:transition spd="slow" advClick="0" advTm="30000"/>
+  <p:transition spd="slow" advClick="0"/>
 </p:sldLayout>
 </file>
 
@@ -669,7 +669,7 @@
   <p:clrMapOvr>
     <a:masterClrMapping/>
   </p:clrMapOvr>
-  <p:transition spd="slow" advClick="0" advTm="30000"/>
+  <p:transition spd="slow" advClick="0"/>
 </p:sldLayout>
 </file>
 
@@ -840,7 +840,7 @@
   <p:clrMapOvr>
     <a:masterClrMapping/>
   </p:clrMapOvr>
-  <p:transition spd="slow" advClick="0" advTm="30000"/>
+  <p:transition spd="slow" advClick="0"/>
 </p:sldLayout>
 </file>
 
@@ -1085,7 +1085,7 @@
   <p:clrMapOvr>
     <a:masterClrMapping/>
   </p:clrMapOvr>
-  <p:transition spd="slow" advClick="0" advTm="30000"/>
+  <p:transition spd="slow" advClick="0"/>
 </p:sldLayout>
 </file>
 
@@ -1318,7 +1318,7 @@
   <p:clrMapOvr>
     <a:masterClrMapping/>
   </p:clrMapOvr>
-  <p:transition spd="slow" advClick="0" advTm="30000"/>
+  <p:transition spd="slow" advClick="0"/>
 </p:sldLayout>
 </file>
 
@@ -1686,7 +1686,7 @@
   <p:clrMapOvr>
     <a:masterClrMapping/>
   </p:clrMapOvr>
-  <p:transition spd="slow" advClick="0" advTm="30000"/>
+  <p:transition spd="slow" advClick="0"/>
 </p:sldLayout>
 </file>
 
@@ -1805,7 +1805,7 @@
   <p:clrMapOvr>
     <a:masterClrMapping/>
   </p:clrMapOvr>
-  <p:transition spd="slow" advClick="0" advTm="30000"/>
+  <p:transition spd="slow" advClick="0"/>
 </p:sldLayout>
 </file>
 
@@ -1901,7 +1901,7 @@
   <p:clrMapOvr>
     <a:masterClrMapping/>
   </p:clrMapOvr>
-  <p:transition spd="slow" advClick="0" advTm="30000"/>
+  <p:transition spd="slow" advClick="0"/>
 </p:sldLayout>
 </file>
 
@@ -2179,7 +2179,7 @@
   <p:clrMapOvr>
     <a:masterClrMapping/>
   </p:clrMapOvr>
-  <p:transition spd="slow" advClick="0" advTm="30000"/>
+  <p:transition spd="slow" advClick="0"/>
 </p:sldLayout>
 </file>
 
@@ -2437,7 +2437,7 @@
   <p:clrMapOvr>
     <a:masterClrMapping/>
   </p:clrMapOvr>
-  <p:transition spd="slow" advClick="0" advTm="30000"/>
+  <p:transition spd="slow" advClick="0"/>
 </p:sldLayout>
 </file>
 
@@ -2698,7 +2698,7 @@
     <p:sldLayoutId id="2147483670" r:id="rId10"/>
     <p:sldLayoutId id="2147483671" r:id="rId11"/>
   </p:sldLayoutIdLst>
-  <p:transition spd="slow" advClick="0" advTm="30000"/>
+  <p:transition spd="slow" advClick="0"/>
   <p:txStyles>
     <p:titleStyle>
       <a:lvl1pPr algn="l" defTabSz="914400" rtl="0" eaLnBrk="1" latinLnBrk="0" hangingPunct="1">
@@ -3145,7 +3145,7 @@
   <p:clrMapOvr>
     <a:masterClrMapping/>
   </p:clrMapOvr>
-  <p:transition spd="slow" advClick="0" advTm="30000"/>
+  <p:transition spd="slow" advClick="0"/>
 </p:sld>
 </file>
 
@@ -3312,7 +3312,7 @@
   <p:clrMapOvr>
     <a:masterClrMapping/>
   </p:clrMapOvr>
-  <p:transition spd="slow" advClick="0" advTm="30000"/>
+  <p:transition spd="slow" advClick="0"/>
 </p:sld>
 </file>
 
@@ -3479,7 +3479,7 @@
   <p:clrMapOvr>
     <a:masterClrMapping/>
   </p:clrMapOvr>
-  <p:transition spd="slow" advClick="0" advTm="30000"/>
+  <p:transition spd="slow" advClick="0"/>
 </p:sld>
 </file>
 
@@ -3620,7 +3620,7 @@
   <p:clrMapOvr>
     <a:masterClrMapping/>
   </p:clrMapOvr>
-  <p:transition spd="slow" advClick="0" advTm="30000"/>
+  <p:transition spd="slow" advClick="0"/>
 </p:sld>
 </file>
 
@@ -3787,7 +3787,7 @@
   <p:clrMapOvr>
     <a:masterClrMapping/>
   </p:clrMapOvr>
-  <p:transition spd="slow" advClick="0" advTm="30000"/>
+  <p:transition spd="slow" advClick="0"/>
 </p:sld>
 </file>
 
@@ -3954,7 +3954,7 @@
   <p:clrMapOvr>
     <a:masterClrMapping/>
   </p:clrMapOvr>
-  <p:transition spd="slow" advClick="0" advTm="30000"/>
+  <p:transition spd="slow" advClick="0"/>
 </p:sld>
 </file>
 
